--- a/Apresentação.pptx
+++ b/Apresentação.pptx
@@ -6,6 +6,19 @@
   </p:sldMasterIdLst>
   <p:sldIdLst>
     <p:sldId id="256" r:id="rId2"/>
+    <p:sldId id="257" r:id="rId3"/>
+    <p:sldId id="258" r:id="rId4"/>
+    <p:sldId id="259" r:id="rId5"/>
+    <p:sldId id="260" r:id="rId6"/>
+    <p:sldId id="261" r:id="rId7"/>
+    <p:sldId id="268" r:id="rId8"/>
+    <p:sldId id="269" r:id="rId9"/>
+    <p:sldId id="262" r:id="rId10"/>
+    <p:sldId id="263" r:id="rId11"/>
+    <p:sldId id="264" r:id="rId12"/>
+    <p:sldId id="265" r:id="rId13"/>
+    <p:sldId id="266" r:id="rId14"/>
+    <p:sldId id="267" r:id="rId15"/>
   </p:sldIdLst>
   <p:sldSz cx="12192000" cy="6858000"/>
   <p:notesSz cx="6858000" cy="9144000"/>
@@ -2979,7 +2992,11 @@
           <a:bodyPr/>
           <a:lstStyle/>
           <a:p>
-            <a:endParaRPr lang="pt-BR"/>
+            <a:r>
+              <a:rPr lang="pt-BR" dirty="0" smtClean="0"/>
+              <a:t>Sumário</a:t>
+            </a:r>
+            <a:endParaRPr lang="pt-BR" dirty="0"/>
           </a:p>
         </p:txBody>
       </p:sp>
@@ -3006,6 +3023,938 @@
     <p:extLst>
       <p:ext uri="{BB962C8B-B14F-4D97-AF65-F5344CB8AC3E}">
         <p14:creationId xmlns:p14="http://schemas.microsoft.com/office/powerpoint/2010/main" val="1691265103"/>
+      </p:ext>
+    </p:extLst>
+  </p:cSld>
+  <p:clrMapOvr>
+    <a:masterClrMapping/>
+  </p:clrMapOvr>
+</p:sld>
+</file>
+
+<file path=ppt/slides/slide10.xml><?xml version="1.0" encoding="utf-8"?>
+<p:sld xmlns:a="http://schemas.openxmlformats.org/drawingml/2006/main" xmlns:r="http://schemas.openxmlformats.org/officeDocument/2006/relationships" xmlns:p="http://schemas.openxmlformats.org/presentationml/2006/main">
+  <p:cSld>
+    <p:spTree>
+      <p:nvGrpSpPr>
+        <p:cNvPr id="1" name=""/>
+        <p:cNvGrpSpPr/>
+        <p:nvPr/>
+      </p:nvGrpSpPr>
+      <p:grpSpPr>
+        <a:xfrm>
+          <a:off x="0" y="0"/>
+          <a:ext cx="0" cy="0"/>
+          <a:chOff x="0" y="0"/>
+          <a:chExt cx="0" cy="0"/>
+        </a:xfrm>
+      </p:grpSpPr>
+      <p:sp>
+        <p:nvSpPr>
+          <p:cNvPr id="2" name="Título 1"/>
+          <p:cNvSpPr>
+            <a:spLocks noGrp="1"/>
+          </p:cNvSpPr>
+          <p:nvPr>
+            <p:ph type="title"/>
+          </p:nvPr>
+        </p:nvSpPr>
+        <p:spPr/>
+        <p:txBody>
+          <a:bodyPr/>
+          <a:lstStyle/>
+          <a:p>
+            <a:r>
+              <a:rPr lang="pt-BR" dirty="0" smtClean="0"/>
+              <a:t>Concorrentes</a:t>
+            </a:r>
+            <a:endParaRPr lang="pt-BR" dirty="0"/>
+          </a:p>
+        </p:txBody>
+      </p:sp>
+      <p:sp>
+        <p:nvSpPr>
+          <p:cNvPr id="3" name="Espaço Reservado para Conteúdo 2"/>
+          <p:cNvSpPr>
+            <a:spLocks noGrp="1"/>
+          </p:cNvSpPr>
+          <p:nvPr>
+            <p:ph idx="1"/>
+          </p:nvPr>
+        </p:nvSpPr>
+        <p:spPr/>
+        <p:txBody>
+          <a:bodyPr/>
+          <a:lstStyle/>
+          <a:p>
+            <a:endParaRPr lang="pt-BR" dirty="0"/>
+          </a:p>
+        </p:txBody>
+      </p:sp>
+    </p:spTree>
+    <p:extLst>
+      <p:ext uri="{BB962C8B-B14F-4D97-AF65-F5344CB8AC3E}">
+        <p14:creationId xmlns:p14="http://schemas.microsoft.com/office/powerpoint/2010/main" val="1455051544"/>
+      </p:ext>
+    </p:extLst>
+  </p:cSld>
+  <p:clrMapOvr>
+    <a:masterClrMapping/>
+  </p:clrMapOvr>
+</p:sld>
+</file>
+
+<file path=ppt/slides/slide11.xml><?xml version="1.0" encoding="utf-8"?>
+<p:sld xmlns:a="http://schemas.openxmlformats.org/drawingml/2006/main" xmlns:r="http://schemas.openxmlformats.org/officeDocument/2006/relationships" xmlns:p="http://schemas.openxmlformats.org/presentationml/2006/main">
+  <p:cSld>
+    <p:spTree>
+      <p:nvGrpSpPr>
+        <p:cNvPr id="1" name=""/>
+        <p:cNvGrpSpPr/>
+        <p:nvPr/>
+      </p:nvGrpSpPr>
+      <p:grpSpPr>
+        <a:xfrm>
+          <a:off x="0" y="0"/>
+          <a:ext cx="0" cy="0"/>
+          <a:chOff x="0" y="0"/>
+          <a:chExt cx="0" cy="0"/>
+        </a:xfrm>
+      </p:grpSpPr>
+      <p:sp>
+        <p:nvSpPr>
+          <p:cNvPr id="2" name="Título 1"/>
+          <p:cNvSpPr>
+            <a:spLocks noGrp="1"/>
+          </p:cNvSpPr>
+          <p:nvPr>
+            <p:ph type="title"/>
+          </p:nvPr>
+        </p:nvSpPr>
+        <p:spPr/>
+        <p:txBody>
+          <a:bodyPr/>
+          <a:lstStyle/>
+          <a:p>
+            <a:r>
+              <a:rPr lang="pt-BR" dirty="0" smtClean="0"/>
+              <a:t>Tecnologias</a:t>
+            </a:r>
+            <a:endParaRPr lang="pt-BR" dirty="0"/>
+          </a:p>
+        </p:txBody>
+      </p:sp>
+      <p:sp>
+        <p:nvSpPr>
+          <p:cNvPr id="3" name="Espaço Reservado para Conteúdo 2"/>
+          <p:cNvSpPr>
+            <a:spLocks noGrp="1"/>
+          </p:cNvSpPr>
+          <p:nvPr>
+            <p:ph idx="1"/>
+          </p:nvPr>
+        </p:nvSpPr>
+        <p:spPr/>
+        <p:txBody>
+          <a:bodyPr/>
+          <a:lstStyle/>
+          <a:p>
+            <a:endParaRPr lang="pt-BR"/>
+          </a:p>
+        </p:txBody>
+      </p:sp>
+    </p:spTree>
+    <p:extLst>
+      <p:ext uri="{BB962C8B-B14F-4D97-AF65-F5344CB8AC3E}">
+        <p14:creationId xmlns:p14="http://schemas.microsoft.com/office/powerpoint/2010/main" val="1753368909"/>
+      </p:ext>
+    </p:extLst>
+  </p:cSld>
+  <p:clrMapOvr>
+    <a:masterClrMapping/>
+  </p:clrMapOvr>
+</p:sld>
+</file>
+
+<file path=ppt/slides/slide12.xml><?xml version="1.0" encoding="utf-8"?>
+<p:sld xmlns:a="http://schemas.openxmlformats.org/drawingml/2006/main" xmlns:r="http://schemas.openxmlformats.org/officeDocument/2006/relationships" xmlns:p="http://schemas.openxmlformats.org/presentationml/2006/main">
+  <p:cSld>
+    <p:spTree>
+      <p:nvGrpSpPr>
+        <p:cNvPr id="1" name=""/>
+        <p:cNvGrpSpPr/>
+        <p:nvPr/>
+      </p:nvGrpSpPr>
+      <p:grpSpPr>
+        <a:xfrm>
+          <a:off x="0" y="0"/>
+          <a:ext cx="0" cy="0"/>
+          <a:chOff x="0" y="0"/>
+          <a:chExt cx="0" cy="0"/>
+        </a:xfrm>
+      </p:grpSpPr>
+      <p:sp>
+        <p:nvSpPr>
+          <p:cNvPr id="2" name="Título 1"/>
+          <p:cNvSpPr>
+            <a:spLocks noGrp="1"/>
+          </p:cNvSpPr>
+          <p:nvPr>
+            <p:ph type="title"/>
+          </p:nvPr>
+        </p:nvSpPr>
+        <p:spPr/>
+        <p:txBody>
+          <a:bodyPr/>
+          <a:lstStyle/>
+          <a:p>
+            <a:r>
+              <a:rPr lang="pt-BR" dirty="0" smtClean="0"/>
+              <a:t>Monetização</a:t>
+            </a:r>
+            <a:endParaRPr lang="pt-BR" dirty="0"/>
+          </a:p>
+        </p:txBody>
+      </p:sp>
+      <p:sp>
+        <p:nvSpPr>
+          <p:cNvPr id="3" name="Espaço Reservado para Conteúdo 2"/>
+          <p:cNvSpPr>
+            <a:spLocks noGrp="1"/>
+          </p:cNvSpPr>
+          <p:nvPr>
+            <p:ph idx="1"/>
+          </p:nvPr>
+        </p:nvSpPr>
+        <p:spPr/>
+        <p:txBody>
+          <a:bodyPr/>
+          <a:lstStyle/>
+          <a:p>
+            <a:endParaRPr lang="pt-BR"/>
+          </a:p>
+        </p:txBody>
+      </p:sp>
+    </p:spTree>
+    <p:extLst>
+      <p:ext uri="{BB962C8B-B14F-4D97-AF65-F5344CB8AC3E}">
+        <p14:creationId xmlns:p14="http://schemas.microsoft.com/office/powerpoint/2010/main" val="1551225391"/>
+      </p:ext>
+    </p:extLst>
+  </p:cSld>
+  <p:clrMapOvr>
+    <a:masterClrMapping/>
+  </p:clrMapOvr>
+</p:sld>
+</file>
+
+<file path=ppt/slides/slide13.xml><?xml version="1.0" encoding="utf-8"?>
+<p:sld xmlns:a="http://schemas.openxmlformats.org/drawingml/2006/main" xmlns:r="http://schemas.openxmlformats.org/officeDocument/2006/relationships" xmlns:p="http://schemas.openxmlformats.org/presentationml/2006/main">
+  <p:cSld>
+    <p:spTree>
+      <p:nvGrpSpPr>
+        <p:cNvPr id="1" name=""/>
+        <p:cNvGrpSpPr/>
+        <p:nvPr/>
+      </p:nvGrpSpPr>
+      <p:grpSpPr>
+        <a:xfrm>
+          <a:off x="0" y="0"/>
+          <a:ext cx="0" cy="0"/>
+          <a:chOff x="0" y="0"/>
+          <a:chExt cx="0" cy="0"/>
+        </a:xfrm>
+      </p:grpSpPr>
+      <p:sp>
+        <p:nvSpPr>
+          <p:cNvPr id="2" name="Título 1"/>
+          <p:cNvSpPr>
+            <a:spLocks noGrp="1"/>
+          </p:cNvSpPr>
+          <p:nvPr>
+            <p:ph type="title"/>
+          </p:nvPr>
+        </p:nvSpPr>
+        <p:spPr/>
+        <p:txBody>
+          <a:bodyPr/>
+          <a:lstStyle/>
+          <a:p>
+            <a:r>
+              <a:rPr lang="pt-BR" dirty="0" smtClean="0"/>
+              <a:t>Requisitos</a:t>
+            </a:r>
+            <a:endParaRPr lang="pt-BR" dirty="0"/>
+          </a:p>
+        </p:txBody>
+      </p:sp>
+      <p:sp>
+        <p:nvSpPr>
+          <p:cNvPr id="3" name="Espaço Reservado para Conteúdo 2"/>
+          <p:cNvSpPr>
+            <a:spLocks noGrp="1"/>
+          </p:cNvSpPr>
+          <p:nvPr>
+            <p:ph idx="1"/>
+          </p:nvPr>
+        </p:nvSpPr>
+        <p:spPr/>
+        <p:txBody>
+          <a:bodyPr/>
+          <a:lstStyle/>
+          <a:p>
+            <a:endParaRPr lang="pt-BR"/>
+          </a:p>
+        </p:txBody>
+      </p:sp>
+    </p:spTree>
+    <p:extLst>
+      <p:ext uri="{BB962C8B-B14F-4D97-AF65-F5344CB8AC3E}">
+        <p14:creationId xmlns:p14="http://schemas.microsoft.com/office/powerpoint/2010/main" val="2209801791"/>
+      </p:ext>
+    </p:extLst>
+  </p:cSld>
+  <p:clrMapOvr>
+    <a:masterClrMapping/>
+  </p:clrMapOvr>
+</p:sld>
+</file>
+
+<file path=ppt/slides/slide14.xml><?xml version="1.0" encoding="utf-8"?>
+<p:sld xmlns:a="http://schemas.openxmlformats.org/drawingml/2006/main" xmlns:r="http://schemas.openxmlformats.org/officeDocument/2006/relationships" xmlns:p="http://schemas.openxmlformats.org/presentationml/2006/main">
+  <p:cSld>
+    <p:spTree>
+      <p:nvGrpSpPr>
+        <p:cNvPr id="1" name=""/>
+        <p:cNvGrpSpPr/>
+        <p:nvPr/>
+      </p:nvGrpSpPr>
+      <p:grpSpPr>
+        <a:xfrm>
+          <a:off x="0" y="0"/>
+          <a:ext cx="0" cy="0"/>
+          <a:chOff x="0" y="0"/>
+          <a:chExt cx="0" cy="0"/>
+        </a:xfrm>
+      </p:grpSpPr>
+      <p:sp>
+        <p:nvSpPr>
+          <p:cNvPr id="2" name="Título 1"/>
+          <p:cNvSpPr>
+            <a:spLocks noGrp="1"/>
+          </p:cNvSpPr>
+          <p:nvPr>
+            <p:ph type="title"/>
+          </p:nvPr>
+        </p:nvSpPr>
+        <p:spPr/>
+        <p:txBody>
+          <a:bodyPr/>
+          <a:lstStyle/>
+          <a:p>
+            <a:endParaRPr lang="pt-BR"/>
+          </a:p>
+        </p:txBody>
+      </p:sp>
+      <p:sp>
+        <p:nvSpPr>
+          <p:cNvPr id="3" name="Espaço Reservado para Conteúdo 2"/>
+          <p:cNvSpPr>
+            <a:spLocks noGrp="1"/>
+          </p:cNvSpPr>
+          <p:nvPr>
+            <p:ph idx="1"/>
+          </p:nvPr>
+        </p:nvSpPr>
+        <p:spPr/>
+        <p:txBody>
+          <a:bodyPr/>
+          <a:lstStyle/>
+          <a:p>
+            <a:endParaRPr lang="pt-BR"/>
+          </a:p>
+        </p:txBody>
+      </p:sp>
+    </p:spTree>
+    <p:extLst>
+      <p:ext uri="{BB962C8B-B14F-4D97-AF65-F5344CB8AC3E}">
+        <p14:creationId xmlns:p14="http://schemas.microsoft.com/office/powerpoint/2010/main" val="2574388067"/>
+      </p:ext>
+    </p:extLst>
+  </p:cSld>
+  <p:clrMapOvr>
+    <a:masterClrMapping/>
+  </p:clrMapOvr>
+</p:sld>
+</file>
+
+<file path=ppt/slides/slide2.xml><?xml version="1.0" encoding="utf-8"?>
+<p:sld xmlns:a="http://schemas.openxmlformats.org/drawingml/2006/main" xmlns:r="http://schemas.openxmlformats.org/officeDocument/2006/relationships" xmlns:p="http://schemas.openxmlformats.org/presentationml/2006/main">
+  <p:cSld>
+    <p:spTree>
+      <p:nvGrpSpPr>
+        <p:cNvPr id="1" name=""/>
+        <p:cNvGrpSpPr/>
+        <p:nvPr/>
+      </p:nvGrpSpPr>
+      <p:grpSpPr>
+        <a:xfrm>
+          <a:off x="0" y="0"/>
+          <a:ext cx="0" cy="0"/>
+          <a:chOff x="0" y="0"/>
+          <a:chExt cx="0" cy="0"/>
+        </a:xfrm>
+      </p:grpSpPr>
+      <p:sp>
+        <p:nvSpPr>
+          <p:cNvPr id="2" name="Título 1"/>
+          <p:cNvSpPr>
+            <a:spLocks noGrp="1"/>
+          </p:cNvSpPr>
+          <p:nvPr>
+            <p:ph type="title"/>
+          </p:nvPr>
+        </p:nvSpPr>
+        <p:spPr/>
+        <p:txBody>
+          <a:bodyPr/>
+          <a:lstStyle/>
+          <a:p>
+            <a:endParaRPr lang="pt-BR" dirty="0"/>
+          </a:p>
+        </p:txBody>
+      </p:sp>
+      <p:sp>
+        <p:nvSpPr>
+          <p:cNvPr id="3" name="Espaço Reservado para Conteúdo 2"/>
+          <p:cNvSpPr>
+            <a:spLocks noGrp="1"/>
+          </p:cNvSpPr>
+          <p:nvPr>
+            <p:ph idx="1"/>
+          </p:nvPr>
+        </p:nvSpPr>
+        <p:spPr/>
+        <p:txBody>
+          <a:bodyPr/>
+          <a:lstStyle/>
+          <a:p>
+            <a:r>
+              <a:rPr lang="pt-BR" dirty="0" smtClean="0"/>
+              <a:t>(frase de impacto)</a:t>
+            </a:r>
+            <a:endParaRPr lang="pt-BR" dirty="0"/>
+          </a:p>
+        </p:txBody>
+      </p:sp>
+    </p:spTree>
+    <p:extLst>
+      <p:ext uri="{BB962C8B-B14F-4D97-AF65-F5344CB8AC3E}">
+        <p14:creationId xmlns:p14="http://schemas.microsoft.com/office/powerpoint/2010/main" val="4082514473"/>
+      </p:ext>
+    </p:extLst>
+  </p:cSld>
+  <p:clrMapOvr>
+    <a:masterClrMapping/>
+  </p:clrMapOvr>
+</p:sld>
+</file>
+
+<file path=ppt/slides/slide3.xml><?xml version="1.0" encoding="utf-8"?>
+<p:sld xmlns:a="http://schemas.openxmlformats.org/drawingml/2006/main" xmlns:r="http://schemas.openxmlformats.org/officeDocument/2006/relationships" xmlns:p="http://schemas.openxmlformats.org/presentationml/2006/main">
+  <p:cSld>
+    <p:spTree>
+      <p:nvGrpSpPr>
+        <p:cNvPr id="1" name=""/>
+        <p:cNvGrpSpPr/>
+        <p:nvPr/>
+      </p:nvGrpSpPr>
+      <p:grpSpPr>
+        <a:xfrm>
+          <a:off x="0" y="0"/>
+          <a:ext cx="0" cy="0"/>
+          <a:chOff x="0" y="0"/>
+          <a:chExt cx="0" cy="0"/>
+        </a:xfrm>
+      </p:grpSpPr>
+      <p:sp>
+        <p:nvSpPr>
+          <p:cNvPr id="2" name="Título 1"/>
+          <p:cNvSpPr>
+            <a:spLocks noGrp="1"/>
+          </p:cNvSpPr>
+          <p:nvPr>
+            <p:ph type="title"/>
+          </p:nvPr>
+        </p:nvSpPr>
+        <p:spPr/>
+        <p:txBody>
+          <a:bodyPr/>
+          <a:lstStyle/>
+          <a:p>
+            <a:r>
+              <a:rPr lang="pt-BR" dirty="0" smtClean="0"/>
+              <a:t>EQUIPE</a:t>
+            </a:r>
+            <a:endParaRPr lang="pt-BR" dirty="0"/>
+          </a:p>
+        </p:txBody>
+      </p:sp>
+      <p:sp>
+        <p:nvSpPr>
+          <p:cNvPr id="3" name="Espaço Reservado para Conteúdo 2"/>
+          <p:cNvSpPr>
+            <a:spLocks noGrp="1"/>
+          </p:cNvSpPr>
+          <p:nvPr>
+            <p:ph idx="1"/>
+          </p:nvPr>
+        </p:nvSpPr>
+        <p:spPr/>
+        <p:txBody>
+          <a:bodyPr/>
+          <a:lstStyle/>
+          <a:p>
+            <a:endParaRPr lang="pt-BR"/>
+          </a:p>
+        </p:txBody>
+      </p:sp>
+    </p:spTree>
+    <p:extLst>
+      <p:ext uri="{BB962C8B-B14F-4D97-AF65-F5344CB8AC3E}">
+        <p14:creationId xmlns:p14="http://schemas.microsoft.com/office/powerpoint/2010/main" val="2747490597"/>
+      </p:ext>
+    </p:extLst>
+  </p:cSld>
+  <p:clrMapOvr>
+    <a:masterClrMapping/>
+  </p:clrMapOvr>
+</p:sld>
+</file>
+
+<file path=ppt/slides/slide4.xml><?xml version="1.0" encoding="utf-8"?>
+<p:sld xmlns:a="http://schemas.openxmlformats.org/drawingml/2006/main" xmlns:r="http://schemas.openxmlformats.org/officeDocument/2006/relationships" xmlns:p="http://schemas.openxmlformats.org/presentationml/2006/main">
+  <p:cSld>
+    <p:spTree>
+      <p:nvGrpSpPr>
+        <p:cNvPr id="1" name=""/>
+        <p:cNvGrpSpPr/>
+        <p:nvPr/>
+      </p:nvGrpSpPr>
+      <p:grpSpPr>
+        <a:xfrm>
+          <a:off x="0" y="0"/>
+          <a:ext cx="0" cy="0"/>
+          <a:chOff x="0" y="0"/>
+          <a:chExt cx="0" cy="0"/>
+        </a:xfrm>
+      </p:grpSpPr>
+      <p:sp>
+        <p:nvSpPr>
+          <p:cNvPr id="2" name="Título 1"/>
+          <p:cNvSpPr>
+            <a:spLocks noGrp="1"/>
+          </p:cNvSpPr>
+          <p:nvPr>
+            <p:ph type="title"/>
+          </p:nvPr>
+        </p:nvSpPr>
+        <p:spPr/>
+        <p:txBody>
+          <a:bodyPr/>
+          <a:lstStyle/>
+          <a:p>
+            <a:r>
+              <a:rPr lang="pt-BR" dirty="0" smtClean="0"/>
+              <a:t>Introdução</a:t>
+            </a:r>
+            <a:endParaRPr lang="pt-BR" dirty="0"/>
+          </a:p>
+        </p:txBody>
+      </p:sp>
+      <p:sp>
+        <p:nvSpPr>
+          <p:cNvPr id="3" name="Espaço Reservado para Conteúdo 2"/>
+          <p:cNvSpPr>
+            <a:spLocks noGrp="1"/>
+          </p:cNvSpPr>
+          <p:nvPr>
+            <p:ph idx="1"/>
+          </p:nvPr>
+        </p:nvSpPr>
+        <p:spPr/>
+        <p:txBody>
+          <a:bodyPr/>
+          <a:lstStyle/>
+          <a:p>
+            <a:endParaRPr lang="pt-BR" dirty="0"/>
+          </a:p>
+        </p:txBody>
+      </p:sp>
+    </p:spTree>
+    <p:extLst>
+      <p:ext uri="{BB962C8B-B14F-4D97-AF65-F5344CB8AC3E}">
+        <p14:creationId xmlns:p14="http://schemas.microsoft.com/office/powerpoint/2010/main" val="1046277111"/>
+      </p:ext>
+    </p:extLst>
+  </p:cSld>
+  <p:clrMapOvr>
+    <a:masterClrMapping/>
+  </p:clrMapOvr>
+</p:sld>
+</file>
+
+<file path=ppt/slides/slide5.xml><?xml version="1.0" encoding="utf-8"?>
+<p:sld xmlns:a="http://schemas.openxmlformats.org/drawingml/2006/main" xmlns:r="http://schemas.openxmlformats.org/officeDocument/2006/relationships" xmlns:p="http://schemas.openxmlformats.org/presentationml/2006/main">
+  <p:cSld>
+    <p:spTree>
+      <p:nvGrpSpPr>
+        <p:cNvPr id="1" name=""/>
+        <p:cNvGrpSpPr/>
+        <p:nvPr/>
+      </p:nvGrpSpPr>
+      <p:grpSpPr>
+        <a:xfrm>
+          <a:off x="0" y="0"/>
+          <a:ext cx="0" cy="0"/>
+          <a:chOff x="0" y="0"/>
+          <a:chExt cx="0" cy="0"/>
+        </a:xfrm>
+      </p:grpSpPr>
+      <p:sp>
+        <p:nvSpPr>
+          <p:cNvPr id="2" name="Título 1"/>
+          <p:cNvSpPr>
+            <a:spLocks noGrp="1"/>
+          </p:cNvSpPr>
+          <p:nvPr>
+            <p:ph type="title"/>
+          </p:nvPr>
+        </p:nvSpPr>
+        <p:spPr/>
+        <p:txBody>
+          <a:bodyPr/>
+          <a:lstStyle/>
+          <a:p>
+            <a:r>
+              <a:rPr lang="pt-BR" dirty="0" smtClean="0"/>
+              <a:t>Problema</a:t>
+            </a:r>
+            <a:endParaRPr lang="pt-BR" dirty="0"/>
+          </a:p>
+        </p:txBody>
+      </p:sp>
+      <p:sp>
+        <p:nvSpPr>
+          <p:cNvPr id="3" name="Espaço Reservado para Conteúdo 2"/>
+          <p:cNvSpPr>
+            <a:spLocks noGrp="1"/>
+          </p:cNvSpPr>
+          <p:nvPr>
+            <p:ph idx="1"/>
+          </p:nvPr>
+        </p:nvSpPr>
+        <p:spPr/>
+        <p:txBody>
+          <a:bodyPr/>
+          <a:lstStyle/>
+          <a:p>
+            <a:endParaRPr lang="pt-BR"/>
+          </a:p>
+        </p:txBody>
+      </p:sp>
+    </p:spTree>
+    <p:extLst>
+      <p:ext uri="{BB962C8B-B14F-4D97-AF65-F5344CB8AC3E}">
+        <p14:creationId xmlns:p14="http://schemas.microsoft.com/office/powerpoint/2010/main" val="4051407235"/>
+      </p:ext>
+    </p:extLst>
+  </p:cSld>
+  <p:clrMapOvr>
+    <a:masterClrMapping/>
+  </p:clrMapOvr>
+</p:sld>
+</file>
+
+<file path=ppt/slides/slide6.xml><?xml version="1.0" encoding="utf-8"?>
+<p:sld xmlns:a="http://schemas.openxmlformats.org/drawingml/2006/main" xmlns:r="http://schemas.openxmlformats.org/officeDocument/2006/relationships" xmlns:p="http://schemas.openxmlformats.org/presentationml/2006/main">
+  <p:cSld>
+    <p:spTree>
+      <p:nvGrpSpPr>
+        <p:cNvPr id="1" name=""/>
+        <p:cNvGrpSpPr/>
+        <p:nvPr/>
+      </p:nvGrpSpPr>
+      <p:grpSpPr>
+        <a:xfrm>
+          <a:off x="0" y="0"/>
+          <a:ext cx="0" cy="0"/>
+          <a:chOff x="0" y="0"/>
+          <a:chExt cx="0" cy="0"/>
+        </a:xfrm>
+      </p:grpSpPr>
+      <p:sp>
+        <p:nvSpPr>
+          <p:cNvPr id="2" name="Título 1"/>
+          <p:cNvSpPr>
+            <a:spLocks noGrp="1"/>
+          </p:cNvSpPr>
+          <p:nvPr>
+            <p:ph type="title"/>
+          </p:nvPr>
+        </p:nvSpPr>
+        <p:spPr/>
+        <p:txBody>
+          <a:bodyPr/>
+          <a:lstStyle/>
+          <a:p>
+            <a:r>
+              <a:rPr lang="pt-BR" dirty="0" smtClean="0"/>
+              <a:t>AGENDA 2030</a:t>
+            </a:r>
+            <a:endParaRPr lang="pt-BR" dirty="0"/>
+          </a:p>
+        </p:txBody>
+      </p:sp>
+      <p:sp>
+        <p:nvSpPr>
+          <p:cNvPr id="3" name="Espaço Reservado para Conteúdo 2"/>
+          <p:cNvSpPr>
+            <a:spLocks noGrp="1"/>
+          </p:cNvSpPr>
+          <p:nvPr>
+            <p:ph idx="1"/>
+          </p:nvPr>
+        </p:nvSpPr>
+        <p:spPr/>
+        <p:txBody>
+          <a:bodyPr/>
+          <a:lstStyle/>
+          <a:p>
+            <a:endParaRPr lang="pt-BR"/>
+          </a:p>
+        </p:txBody>
+      </p:sp>
+    </p:spTree>
+    <p:extLst>
+      <p:ext uri="{BB962C8B-B14F-4D97-AF65-F5344CB8AC3E}">
+        <p14:creationId xmlns:p14="http://schemas.microsoft.com/office/powerpoint/2010/main" val="143858399"/>
+      </p:ext>
+    </p:extLst>
+  </p:cSld>
+  <p:clrMapOvr>
+    <a:masterClrMapping/>
+  </p:clrMapOvr>
+</p:sld>
+</file>
+
+<file path=ppt/slides/slide7.xml><?xml version="1.0" encoding="utf-8"?>
+<p:sld xmlns:a="http://schemas.openxmlformats.org/drawingml/2006/main" xmlns:r="http://schemas.openxmlformats.org/officeDocument/2006/relationships" xmlns:p="http://schemas.openxmlformats.org/presentationml/2006/main">
+  <p:cSld>
+    <p:spTree>
+      <p:nvGrpSpPr>
+        <p:cNvPr id="1" name=""/>
+        <p:cNvGrpSpPr/>
+        <p:nvPr/>
+      </p:nvGrpSpPr>
+      <p:grpSpPr>
+        <a:xfrm>
+          <a:off x="0" y="0"/>
+          <a:ext cx="0" cy="0"/>
+          <a:chOff x="0" y="0"/>
+          <a:chExt cx="0" cy="0"/>
+        </a:xfrm>
+      </p:grpSpPr>
+      <p:sp>
+        <p:nvSpPr>
+          <p:cNvPr id="2" name="Título 1"/>
+          <p:cNvSpPr>
+            <a:spLocks noGrp="1"/>
+          </p:cNvSpPr>
+          <p:nvPr>
+            <p:ph type="title"/>
+          </p:nvPr>
+        </p:nvSpPr>
+        <p:spPr/>
+        <p:txBody>
+          <a:bodyPr/>
+          <a:lstStyle/>
+          <a:p>
+            <a:r>
+              <a:rPr lang="pt-BR" dirty="0" smtClean="0"/>
+              <a:t>Fatores</a:t>
+            </a:r>
+            <a:endParaRPr lang="pt-BR" dirty="0"/>
+          </a:p>
+        </p:txBody>
+      </p:sp>
+      <p:sp>
+        <p:nvSpPr>
+          <p:cNvPr id="3" name="Espaço Reservado para Conteúdo 2"/>
+          <p:cNvSpPr>
+            <a:spLocks noGrp="1"/>
+          </p:cNvSpPr>
+          <p:nvPr>
+            <p:ph idx="1"/>
+          </p:nvPr>
+        </p:nvSpPr>
+        <p:spPr/>
+        <p:txBody>
+          <a:bodyPr/>
+          <a:lstStyle/>
+          <a:p>
+            <a:endParaRPr lang="pt-BR" dirty="0"/>
+          </a:p>
+        </p:txBody>
+      </p:sp>
+    </p:spTree>
+    <p:extLst>
+      <p:ext uri="{BB962C8B-B14F-4D97-AF65-F5344CB8AC3E}">
+        <p14:creationId xmlns:p14="http://schemas.microsoft.com/office/powerpoint/2010/main" val="3524630108"/>
+      </p:ext>
+    </p:extLst>
+  </p:cSld>
+  <p:clrMapOvr>
+    <a:masterClrMapping/>
+  </p:clrMapOvr>
+</p:sld>
+</file>
+
+<file path=ppt/slides/slide8.xml><?xml version="1.0" encoding="utf-8"?>
+<p:sld xmlns:a="http://schemas.openxmlformats.org/drawingml/2006/main" xmlns:r="http://schemas.openxmlformats.org/officeDocument/2006/relationships" xmlns:p="http://schemas.openxmlformats.org/presentationml/2006/main">
+  <p:cSld>
+    <p:spTree>
+      <p:nvGrpSpPr>
+        <p:cNvPr id="1" name=""/>
+        <p:cNvGrpSpPr/>
+        <p:nvPr/>
+      </p:nvGrpSpPr>
+      <p:grpSpPr>
+        <a:xfrm>
+          <a:off x="0" y="0"/>
+          <a:ext cx="0" cy="0"/>
+          <a:chOff x="0" y="0"/>
+          <a:chExt cx="0" cy="0"/>
+        </a:xfrm>
+      </p:grpSpPr>
+      <p:sp>
+        <p:nvSpPr>
+          <p:cNvPr id="2" name="Título 1"/>
+          <p:cNvSpPr>
+            <a:spLocks noGrp="1"/>
+          </p:cNvSpPr>
+          <p:nvPr>
+            <p:ph type="title"/>
+          </p:nvPr>
+        </p:nvSpPr>
+        <p:spPr/>
+        <p:txBody>
+          <a:bodyPr/>
+          <a:lstStyle/>
+          <a:p>
+            <a:r>
+              <a:rPr lang="pt-BR" smtClean="0"/>
+              <a:t>Por que?</a:t>
+            </a:r>
+            <a:endParaRPr lang="pt-BR"/>
+          </a:p>
+        </p:txBody>
+      </p:sp>
+      <p:sp>
+        <p:nvSpPr>
+          <p:cNvPr id="3" name="Espaço Reservado para Conteúdo 2"/>
+          <p:cNvSpPr>
+            <a:spLocks noGrp="1"/>
+          </p:cNvSpPr>
+          <p:nvPr>
+            <p:ph idx="1"/>
+          </p:nvPr>
+        </p:nvSpPr>
+        <p:spPr/>
+        <p:txBody>
+          <a:bodyPr/>
+          <a:lstStyle/>
+          <a:p>
+            <a:endParaRPr lang="pt-BR"/>
+          </a:p>
+        </p:txBody>
+      </p:sp>
+    </p:spTree>
+    <p:extLst>
+      <p:ext uri="{BB962C8B-B14F-4D97-AF65-F5344CB8AC3E}">
+        <p14:creationId xmlns:p14="http://schemas.microsoft.com/office/powerpoint/2010/main" val="3878851582"/>
+      </p:ext>
+    </p:extLst>
+  </p:cSld>
+  <p:clrMapOvr>
+    <a:masterClrMapping/>
+  </p:clrMapOvr>
+</p:sld>
+</file>
+
+<file path=ppt/slides/slide9.xml><?xml version="1.0" encoding="utf-8"?>
+<p:sld xmlns:a="http://schemas.openxmlformats.org/drawingml/2006/main" xmlns:r="http://schemas.openxmlformats.org/officeDocument/2006/relationships" xmlns:p="http://schemas.openxmlformats.org/presentationml/2006/main">
+  <p:cSld>
+    <p:spTree>
+      <p:nvGrpSpPr>
+        <p:cNvPr id="1" name=""/>
+        <p:cNvGrpSpPr/>
+        <p:nvPr/>
+      </p:nvGrpSpPr>
+      <p:grpSpPr>
+        <a:xfrm>
+          <a:off x="0" y="0"/>
+          <a:ext cx="0" cy="0"/>
+          <a:chOff x="0" y="0"/>
+          <a:chExt cx="0" cy="0"/>
+        </a:xfrm>
+      </p:grpSpPr>
+      <p:sp>
+        <p:nvSpPr>
+          <p:cNvPr id="2" name="Título 1"/>
+          <p:cNvSpPr>
+            <a:spLocks noGrp="1"/>
+          </p:cNvSpPr>
+          <p:nvPr>
+            <p:ph type="title"/>
+          </p:nvPr>
+        </p:nvSpPr>
+        <p:spPr/>
+        <p:txBody>
+          <a:bodyPr/>
+          <a:lstStyle/>
+          <a:p>
+            <a:r>
+              <a:rPr lang="pt-BR" dirty="0" smtClean="0"/>
+              <a:t>Mercado</a:t>
+            </a:r>
+            <a:endParaRPr lang="pt-BR" dirty="0"/>
+          </a:p>
+        </p:txBody>
+      </p:sp>
+      <p:sp>
+        <p:nvSpPr>
+          <p:cNvPr id="3" name="Espaço Reservado para Conteúdo 2"/>
+          <p:cNvSpPr>
+            <a:spLocks noGrp="1"/>
+          </p:cNvSpPr>
+          <p:nvPr>
+            <p:ph idx="1"/>
+          </p:nvPr>
+        </p:nvSpPr>
+        <p:spPr/>
+        <p:txBody>
+          <a:bodyPr/>
+          <a:lstStyle/>
+          <a:p>
+            <a:endParaRPr lang="pt-BR" dirty="0"/>
+          </a:p>
+        </p:txBody>
+      </p:sp>
+    </p:spTree>
+    <p:extLst>
+      <p:ext uri="{BB962C8B-B14F-4D97-AF65-F5344CB8AC3E}">
+        <p14:creationId xmlns:p14="http://schemas.microsoft.com/office/powerpoint/2010/main" val="1370822139"/>
       </p:ext>
     </p:extLst>
   </p:cSld>

--- a/Apresentação.pptx
+++ b/Apresentação.pptx
@@ -3853,10 +3853,10 @@
           <a:lstStyle/>
           <a:p>
             <a:r>
-              <a:rPr lang="pt-BR" smtClean="0"/>
+              <a:rPr lang="pt-BR" dirty="0" smtClean="0"/>
               <a:t>Por que?</a:t>
             </a:r>
-            <a:endParaRPr lang="pt-BR"/>
+            <a:endParaRPr lang="pt-BR" dirty="0"/>
           </a:p>
         </p:txBody>
       </p:sp>
